--- a/Powerpoint Presentation/fish.pptx
+++ b/Powerpoint Presentation/fish.pptx
@@ -8,6 +8,7 @@
     <p:sldId id="256" r:id="rId2"/>
     <p:sldId id="257" r:id="rId3"/>
     <p:sldId id="258" r:id="rId4"/>
+    <p:sldId id="259" r:id="rId5"/>
   </p:sldIdLst>
   <p:sldSz cx="12192000" cy="6858000"/>
   <p:notesSz cx="6858000" cy="9144000"/>
@@ -445,7 +446,7 @@
             <a:fld id="{5923F103-BC34-4FE4-A40E-EDDEECFDA5D0}" type="datetimeFigureOut">
               <a:rPr lang="en-US" dirty="0"/>
               <a:pPr/>
-              <a:t>11/4/2022</a:t>
+              <a:t>11/9/2022</a:t>
             </a:fld>
             <a:endParaRPr lang="en-US" dirty="0"/>
           </a:p>
@@ -1529,7 +1530,7 @@
           <a:p>
             <a:fld id="{923A1CC3-2375-41D4-9E03-427CAF2A4C1A}" type="datetimeFigureOut">
               <a:rPr lang="en-US" dirty="0"/>
-              <a:t>11/4/2022</a:t>
+              <a:t>11/9/2022</a:t>
             </a:fld>
             <a:endParaRPr lang="en-US" dirty="0"/>
           </a:p>
@@ -1648,7 +1649,7 @@
         <p:grpSpPr>
           <a:xfrm>
             <a:off x="0" y="0"/>
-            <a:ext cx="12192000" cy="6858000"/>
+            <a:ext cx="12192000" cy="2236662"/>
             <a:chOff x="0" y="0"/>
             <a:chExt cx="12192000" cy="6858000"/>
           </a:xfrm>
@@ -1707,6 +1708,13 @@
               <a:schemeClr val="lt1"/>
             </a:fontRef>
           </p:style>
+          <p:txBody>
+            <a:bodyPr/>
+            <a:lstStyle/>
+            <a:p>
+              <a:endParaRPr lang="en-GB" dirty="0"/>
+            </a:p>
+          </p:txBody>
         </p:sp>
         <p:sp>
           <p:nvSpPr>
@@ -2505,7 +2513,7 @@
           <a:p>
             <a:fld id="{AFF16868-8199-4C2C-A5B1-63AEE139F88E}" type="datetimeFigureOut">
               <a:rPr lang="en-US" dirty="0"/>
-              <a:t>11/4/2022</a:t>
+              <a:t>11/9/2022</a:t>
             </a:fld>
             <a:endParaRPr lang="en-US" dirty="0"/>
           </a:p>
@@ -2539,7 +2547,7 @@
         <p:spPr>
           <a:xfrm>
             <a:off x="10437812" y="0"/>
-            <a:ext cx="685800" cy="1143000"/>
+            <a:ext cx="685800" cy="898507"/>
           </a:xfrm>
           <a:prstGeom prst="rect">
             <a:avLst/>
@@ -2576,16 +2584,20 @@
             <p:ph type="sldNum" sz="quarter" idx="12"/>
           </p:nvPr>
         </p:nvSpPr>
-        <p:spPr/>
+        <p:spPr>
+          <a:xfrm>
+            <a:off x="10352474" y="100424"/>
+            <a:ext cx="838199" cy="767687"/>
+          </a:xfrm>
+        </p:spPr>
         <p:txBody>
           <a:bodyPr/>
-          <a:lstStyle/>
-          <a:p>
-            <a:fld id="{D57F1E4F-1CFF-5643-939E-217C01CDF565}" type="slidenum">
-              <a:rPr lang="en-US" dirty="0"/>
-              <a:pPr/>
-              <a:t>‹#›</a:t>
-            </a:fld>
+          <a:lstStyle>
+            <a:lvl1pPr>
+              <a:defRPr/>
+            </a:lvl1pPr>
+          </a:lstStyle>
+          <a:p>
             <a:endParaRPr lang="en-US" dirty="0"/>
           </a:p>
         </p:txBody>
@@ -3635,7 +3647,7 @@
           <a:p>
             <a:fld id="{AAD9FF7F-6988-44CC-821B-644E70CD2F73}" type="datetimeFigureOut">
               <a:rPr lang="en-US" dirty="0"/>
-              <a:t>11/4/2022</a:t>
+              <a:t>11/9/2022</a:t>
             </a:fld>
             <a:endParaRPr lang="en-US" dirty="0"/>
           </a:p>
@@ -4664,7 +4676,7 @@
           <a:p>
             <a:fld id="{5C12C299-16B2-4475-990D-751901EACC14}" type="datetimeFigureOut">
               <a:rPr lang="en-US" dirty="0"/>
-              <a:t>11/4/2022</a:t>
+              <a:t>11/9/2022</a:t>
             </a:fld>
             <a:endParaRPr lang="en-US" dirty="0"/>
           </a:p>
@@ -5320,7 +5332,7 @@
           <a:p>
             <a:fld id="{9FE86839-B9D8-4651-8783-F325ECE74E65}" type="datetimeFigureOut">
               <a:rPr lang="en-US" dirty="0"/>
-              <a:t>11/4/2022</a:t>
+              <a:t>11/9/2022</a:t>
             </a:fld>
             <a:endParaRPr lang="en-US" dirty="0"/>
           </a:p>
@@ -6177,7 +6189,7 @@
           <a:p>
             <a:fld id="{FD484F64-32F6-45C5-931F-ADC1662401D0}" type="datetimeFigureOut">
               <a:rPr lang="en-US" dirty="0"/>
-              <a:t>11/4/2022</a:t>
+              <a:t>11/9/2022</a:t>
             </a:fld>
             <a:endParaRPr lang="en-US" dirty="0"/>
           </a:p>
@@ -6363,7 +6375,7 @@
           <a:p>
             <a:fld id="{53086D93-FCAC-47E0-A2EE-787E62CA814C}" type="datetimeFigureOut">
               <a:rPr lang="en-US" dirty="0"/>
-              <a:t>11/4/2022</a:t>
+              <a:t>11/9/2022</a:t>
             </a:fld>
             <a:endParaRPr lang="en-US" dirty="0"/>
           </a:p>
@@ -7331,7 +7343,7 @@
           <a:p>
             <a:fld id="{CDA879A6-0FD0-4734-A311-86BFCA472E6E}" type="datetimeFigureOut">
               <a:rPr lang="en-US" dirty="0"/>
-              <a:t>11/4/2022</a:t>
+              <a:t>11/9/2022</a:t>
             </a:fld>
             <a:endParaRPr lang="en-US" dirty="0"/>
           </a:p>
@@ -7538,7 +7550,7 @@
           <a:p>
             <a:fld id="{19C9CA7B-DFD4-44B5-8C60-D14B8CD1FB59}" type="datetimeFigureOut">
               <a:rPr lang="en-US" dirty="0"/>
-              <a:t>11/4/2022</a:t>
+              <a:t>11/9/2022</a:t>
             </a:fld>
             <a:endParaRPr lang="en-US" dirty="0"/>
           </a:p>
@@ -8568,7 +8580,7 @@
           <a:p>
             <a:fld id="{F34E6425-0181-43F2-84FC-787E803FD2F8}" type="datetimeFigureOut">
               <a:rPr lang="en-US" dirty="0"/>
-              <a:t>11/4/2022</a:t>
+              <a:t>11/9/2022</a:t>
             </a:fld>
             <a:endParaRPr lang="en-US" dirty="0"/>
           </a:p>
@@ -8836,7 +8848,7 @@
           <a:p>
             <a:fld id="{3BDB8791-F1B0-41E7-B7FD-A781E65C4266}" type="datetimeFigureOut">
               <a:rPr lang="en-US" dirty="0"/>
-              <a:t>11/4/2022</a:t>
+              <a:t>11/9/2022</a:t>
             </a:fld>
             <a:endParaRPr lang="en-US" dirty="0"/>
           </a:p>
@@ -9242,7 +9254,7 @@
           <a:p>
             <a:fld id="{5FDD63B2-E120-4ED8-B27B-C685F510A5FE}" type="datetimeFigureOut">
               <a:rPr lang="en-US" dirty="0"/>
-              <a:t>11/4/2022</a:t>
+              <a:t>11/9/2022</a:t>
             </a:fld>
             <a:endParaRPr lang="en-US" dirty="0"/>
           </a:p>
@@ -9365,7 +9377,7 @@
           <a:p>
             <a:fld id="{7AA18ACC-A947-437B-A130-35BD54FDF1E9}" type="datetimeFigureOut">
               <a:rPr lang="en-US" dirty="0"/>
-              <a:t>11/4/2022</a:t>
+              <a:t>11/9/2022</a:t>
             </a:fld>
             <a:endParaRPr lang="en-US" dirty="0"/>
           </a:p>
@@ -9456,7 +9468,7 @@
           <a:p>
             <a:fld id="{7C8D7E02-BCB8-4D50-A234-369438C08659}" type="datetimeFigureOut">
               <a:rPr lang="en-US" dirty="0"/>
-              <a:t>11/4/2022</a:t>
+              <a:t>11/9/2022</a:t>
             </a:fld>
             <a:endParaRPr lang="en-US" dirty="0"/>
           </a:p>
@@ -10533,7 +10545,7 @@
           <a:p>
             <a:fld id="{76E86A4C-8E40-4F87-A4F0-01A0687C5742}" type="datetimeFigureOut">
               <a:rPr lang="en-US" dirty="0"/>
-              <a:t>11/4/2022</a:t>
+              <a:t>11/9/2022</a:t>
             </a:fld>
             <a:endParaRPr lang="en-US" dirty="0"/>
           </a:p>
@@ -11637,7 +11649,7 @@
           <a:p>
             <a:fld id="{35E72C73-2D91-4E12-BA25-F0AA0C03599B}" type="datetimeFigureOut">
               <a:rPr lang="en-US" dirty="0"/>
-              <a:t>11/4/2022</a:t>
+              <a:t>11/9/2022</a:t>
             </a:fld>
             <a:endParaRPr lang="en-US" dirty="0"/>
           </a:p>
@@ -12630,7 +12642,7 @@
           <a:p>
             <a:fld id="{2BE451C3-0FF4-47C4-B829-773ADF60F88C}" type="datetimeFigureOut">
               <a:rPr lang="en-US" dirty="0"/>
-              <a:t>11/4/2022</a:t>
+              <a:t>11/9/2022</a:t>
             </a:fld>
             <a:endParaRPr lang="en-US" dirty="0"/>
           </a:p>
@@ -13337,12 +13349,14 @@
             <a:spLocks noGrp="1"/>
           </p:cNvSpPr>
           <p:nvPr>
-            <p:ph idx="1"/>
+            <p:ph type="body" idx="1"/>
           </p:nvPr>
         </p:nvSpPr>
         <p:spPr/>
         <p:txBody>
-          <a:bodyPr/>
+          <a:bodyPr>
+            <a:normAutofit fontScale="62500" lnSpcReduction="20000"/>
+          </a:bodyPr>
           <a:lstStyle/>
           <a:p>
             <a:endParaRPr lang="en-GB" dirty="0"/>
@@ -13499,6 +13513,133 @@
     <p:extLst>
       <p:ext uri="{BB962C8B-B14F-4D97-AF65-F5344CB8AC3E}">
         <p14:creationId xmlns:p14="http://schemas.microsoft.com/office/powerpoint/2010/main" val="806604221"/>
+      </p:ext>
+    </p:extLst>
+  </p:cSld>
+  <p:clrMapOvr>
+    <a:masterClrMapping/>
+  </p:clrMapOvr>
+</p:sld>
+</file>
+
+<file path=ppt/slides/slide4.xml><?xml version="1.0" encoding="utf-8"?>
+<p:sld xmlns:a="http://schemas.openxmlformats.org/drawingml/2006/main" xmlns:r="http://schemas.openxmlformats.org/officeDocument/2006/relationships" xmlns:p="http://schemas.openxmlformats.org/presentationml/2006/main">
+  <p:cSld>
+    <p:spTree>
+      <p:nvGrpSpPr>
+        <p:cNvPr id="1" name=""/>
+        <p:cNvGrpSpPr/>
+        <p:nvPr/>
+      </p:nvGrpSpPr>
+      <p:grpSpPr>
+        <a:xfrm>
+          <a:off x="0" y="0"/>
+          <a:ext cx="0" cy="0"/>
+          <a:chOff x="0" y="0"/>
+          <a:chExt cx="0" cy="0"/>
+        </a:xfrm>
+      </p:grpSpPr>
+      <p:sp>
+        <p:nvSpPr>
+          <p:cNvPr id="2" name="Title 1">
+            <a:extLst>
+              <a:ext uri="{FF2B5EF4-FFF2-40B4-BE49-F238E27FC236}">
+                <a16:creationId xmlns:a16="http://schemas.microsoft.com/office/drawing/2014/main" id="{CA83DCCC-79AD-D294-2796-E80C59CF8FD3}"/>
+              </a:ext>
+            </a:extLst>
+          </p:cNvPr>
+          <p:cNvSpPr>
+            <a:spLocks noGrp="1"/>
+          </p:cNvSpPr>
+          <p:nvPr>
+            <p:ph type="title"/>
+          </p:nvPr>
+        </p:nvSpPr>
+        <p:spPr>
+          <a:xfrm>
+            <a:off x="952081" y="-153590"/>
+            <a:ext cx="8831816" cy="1372986"/>
+          </a:xfrm>
+        </p:spPr>
+        <p:txBody>
+          <a:bodyPr/>
+          <a:lstStyle/>
+          <a:p>
+            <a:r>
+              <a:rPr lang="en-GB" dirty="0"/>
+              <a:t>Documentation Sony Vegas</a:t>
+            </a:r>
+          </a:p>
+        </p:txBody>
+      </p:sp>
+      <p:pic>
+        <p:nvPicPr>
+          <p:cNvPr id="5" name="Content Placeholder 4">
+            <a:extLst>
+              <a:ext uri="{FF2B5EF4-FFF2-40B4-BE49-F238E27FC236}">
+                <a16:creationId xmlns:a16="http://schemas.microsoft.com/office/drawing/2014/main" id="{DD8C8D88-751C-E9B7-4107-B40F64D49413}"/>
+              </a:ext>
+            </a:extLst>
+          </p:cNvPr>
+          <p:cNvPicPr>
+            <a:picLocks noGrp="1" noChangeAspect="1"/>
+          </p:cNvPicPr>
+          <p:nvPr>
+            <p:ph idx="4294967295"/>
+          </p:nvPr>
+        </p:nvPicPr>
+        <p:blipFill>
+          <a:blip r:embed="rId2"/>
+          <a:stretch>
+            <a:fillRect/>
+          </a:stretch>
+        </p:blipFill>
+        <p:spPr>
+          <a:xfrm>
+            <a:off x="155488" y="2045888"/>
+            <a:ext cx="5212501" cy="4529207"/>
+          </a:xfrm>
+        </p:spPr>
+      </p:pic>
+      <p:sp>
+        <p:nvSpPr>
+          <p:cNvPr id="7" name="TextBox 6">
+            <a:extLst>
+              <a:ext uri="{FF2B5EF4-FFF2-40B4-BE49-F238E27FC236}">
+                <a16:creationId xmlns:a16="http://schemas.microsoft.com/office/drawing/2014/main" id="{11468C63-3017-CBEF-62AA-E4C21DA232B0}"/>
+              </a:ext>
+            </a:extLst>
+          </p:cNvPr>
+          <p:cNvSpPr txBox="1"/>
+          <p:nvPr/>
+        </p:nvSpPr>
+        <p:spPr>
+          <a:xfrm>
+            <a:off x="723626" y="1572242"/>
+            <a:ext cx="4835136" cy="369332"/>
+          </a:xfrm>
+          <a:prstGeom prst="rect">
+            <a:avLst/>
+          </a:prstGeom>
+          <a:noFill/>
+        </p:spPr>
+        <p:txBody>
+          <a:bodyPr wrap="square" rtlCol="0">
+            <a:spAutoFit/>
+          </a:bodyPr>
+          <a:lstStyle/>
+          <a:p>
+            <a:r>
+              <a:rPr lang="en-GB" u="sng" dirty="0"/>
+              <a:t>Cropping &amp; Camera Stabilization. </a:t>
+            </a:r>
+          </a:p>
+        </p:txBody>
+      </p:sp>
+    </p:spTree>
+    <p:extLst>
+      <p:ext uri="{BB962C8B-B14F-4D97-AF65-F5344CB8AC3E}">
+        <p14:creationId xmlns:p14="http://schemas.microsoft.com/office/powerpoint/2010/main" val="3735925088"/>
       </p:ext>
     </p:extLst>
   </p:cSld>

--- a/Powerpoint Presentation/fish.pptx
+++ b/Powerpoint Presentation/fish.pptx
@@ -107,6 +107,11 @@
       </a:defRPr>
     </a:lvl9pPr>
   </p:defaultTextStyle>
+  <p:extLst>
+    <p:ext uri="{EFAFB233-063F-42B5-8137-9DF3F51BA10A}">
+      <p15:sldGuideLst xmlns:p15="http://schemas.microsoft.com/office/powerpoint/2012/main"/>
+    </p:ext>
+  </p:extLst>
 </p:presentation>
 </file>
 
@@ -13636,6 +13641,70 @@
           </a:p>
         </p:txBody>
       </p:sp>
+      <p:pic>
+        <p:nvPicPr>
+          <p:cNvPr id="4" name="Picture 3">
+            <a:extLst>
+              <a:ext uri="{FF2B5EF4-FFF2-40B4-BE49-F238E27FC236}">
+                <a16:creationId xmlns:a16="http://schemas.microsoft.com/office/drawing/2014/main" id="{83498427-DBB2-7A49-51E2-DC137DDD4F26}"/>
+              </a:ext>
+            </a:extLst>
+          </p:cNvPr>
+          <p:cNvPicPr>
+            <a:picLocks noChangeAspect="1"/>
+          </p:cNvPicPr>
+          <p:nvPr/>
+        </p:nvPicPr>
+        <p:blipFill rotWithShape="1">
+          <a:blip r:embed="rId3"/>
+          <a:srcRect r="12463" b="16985"/>
+          <a:stretch/>
+        </p:blipFill>
+        <p:spPr>
+          <a:xfrm>
+            <a:off x="5558762" y="2520437"/>
+            <a:ext cx="6467577" cy="3623805"/>
+          </a:xfrm>
+          <a:prstGeom prst="rect">
+            <a:avLst/>
+          </a:prstGeom>
+        </p:spPr>
+      </p:pic>
+      <p:sp>
+        <p:nvSpPr>
+          <p:cNvPr id="6" name="TextBox 5">
+            <a:extLst>
+              <a:ext uri="{FF2B5EF4-FFF2-40B4-BE49-F238E27FC236}">
+                <a16:creationId xmlns:a16="http://schemas.microsoft.com/office/drawing/2014/main" id="{011791EC-227D-56C0-18FC-7738F9981CE6}"/>
+              </a:ext>
+            </a:extLst>
+          </p:cNvPr>
+          <p:cNvSpPr txBox="1"/>
+          <p:nvPr/>
+        </p:nvSpPr>
+        <p:spPr>
+          <a:xfrm>
+            <a:off x="7743540" y="1572242"/>
+            <a:ext cx="2098019" cy="369332"/>
+          </a:xfrm>
+          <a:prstGeom prst="rect">
+            <a:avLst/>
+          </a:prstGeom>
+          <a:noFill/>
+        </p:spPr>
+        <p:txBody>
+          <a:bodyPr wrap="square" rtlCol="0">
+            <a:spAutoFit/>
+          </a:bodyPr>
+          <a:lstStyle/>
+          <a:p>
+            <a:r>
+              <a:rPr lang="en-GB" u="sng" dirty="0"/>
+              <a:t>Event Pan/Crop. </a:t>
+            </a:r>
+          </a:p>
+        </p:txBody>
+      </p:sp>
     </p:spTree>
     <p:extLst>
       <p:ext uri="{BB962C8B-B14F-4D97-AF65-F5344CB8AC3E}">

--- a/Powerpoint Presentation/fish.pptx
+++ b/Powerpoint Presentation/fish.pptx
@@ -9,6 +9,7 @@
     <p:sldId id="257" r:id="rId3"/>
     <p:sldId id="258" r:id="rId4"/>
     <p:sldId id="259" r:id="rId5"/>
+    <p:sldId id="260" r:id="rId6"/>
   </p:sldIdLst>
   <p:sldSz cx="12192000" cy="6858000"/>
   <p:notesSz cx="6858000" cy="9144000"/>
@@ -107,6 +108,11 @@
       </a:defRPr>
     </a:lvl9pPr>
   </p:defaultTextStyle>
+  <p:extLst>
+    <p:ext uri="{EFAFB233-063F-42B5-8137-9DF3F51BA10A}">
+      <p15:sldGuideLst xmlns:p15="http://schemas.microsoft.com/office/powerpoint/2012/main"/>
+    </p:ext>
+  </p:extLst>
 </p:presentation>
 </file>
 
@@ -446,7 +452,7 @@
             <a:fld id="{5923F103-BC34-4FE4-A40E-EDDEECFDA5D0}" type="datetimeFigureOut">
               <a:rPr lang="en-US" dirty="0"/>
               <a:pPr/>
-              <a:t>11/9/2022</a:t>
+              <a:t>11/16/2022</a:t>
             </a:fld>
             <a:endParaRPr lang="en-US" dirty="0"/>
           </a:p>
@@ -1530,7 +1536,7 @@
           <a:p>
             <a:fld id="{923A1CC3-2375-41D4-9E03-427CAF2A4C1A}" type="datetimeFigureOut">
               <a:rPr lang="en-US" dirty="0"/>
-              <a:t>11/9/2022</a:t>
+              <a:t>11/16/2022</a:t>
             </a:fld>
             <a:endParaRPr lang="en-US" dirty="0"/>
           </a:p>
@@ -2513,7 +2519,7 @@
           <a:p>
             <a:fld id="{AFF16868-8199-4C2C-A5B1-63AEE139F88E}" type="datetimeFigureOut">
               <a:rPr lang="en-US" dirty="0"/>
-              <a:t>11/9/2022</a:t>
+              <a:t>11/16/2022</a:t>
             </a:fld>
             <a:endParaRPr lang="en-US" dirty="0"/>
           </a:p>
@@ -3647,7 +3653,7 @@
           <a:p>
             <a:fld id="{AAD9FF7F-6988-44CC-821B-644E70CD2F73}" type="datetimeFigureOut">
               <a:rPr lang="en-US" dirty="0"/>
-              <a:t>11/9/2022</a:t>
+              <a:t>11/16/2022</a:t>
             </a:fld>
             <a:endParaRPr lang="en-US" dirty="0"/>
           </a:p>
@@ -4676,7 +4682,7 @@
           <a:p>
             <a:fld id="{5C12C299-16B2-4475-990D-751901EACC14}" type="datetimeFigureOut">
               <a:rPr lang="en-US" dirty="0"/>
-              <a:t>11/9/2022</a:t>
+              <a:t>11/16/2022</a:t>
             </a:fld>
             <a:endParaRPr lang="en-US" dirty="0"/>
           </a:p>
@@ -5332,7 +5338,7 @@
           <a:p>
             <a:fld id="{9FE86839-B9D8-4651-8783-F325ECE74E65}" type="datetimeFigureOut">
               <a:rPr lang="en-US" dirty="0"/>
-              <a:t>11/9/2022</a:t>
+              <a:t>11/16/2022</a:t>
             </a:fld>
             <a:endParaRPr lang="en-US" dirty="0"/>
           </a:p>
@@ -6189,7 +6195,7 @@
           <a:p>
             <a:fld id="{FD484F64-32F6-45C5-931F-ADC1662401D0}" type="datetimeFigureOut">
               <a:rPr lang="en-US" dirty="0"/>
-              <a:t>11/9/2022</a:t>
+              <a:t>11/16/2022</a:t>
             </a:fld>
             <a:endParaRPr lang="en-US" dirty="0"/>
           </a:p>
@@ -6375,7 +6381,7 @@
           <a:p>
             <a:fld id="{53086D93-FCAC-47E0-A2EE-787E62CA814C}" type="datetimeFigureOut">
               <a:rPr lang="en-US" dirty="0"/>
-              <a:t>11/9/2022</a:t>
+              <a:t>11/16/2022</a:t>
             </a:fld>
             <a:endParaRPr lang="en-US" dirty="0"/>
           </a:p>
@@ -7343,7 +7349,7 @@
           <a:p>
             <a:fld id="{CDA879A6-0FD0-4734-A311-86BFCA472E6E}" type="datetimeFigureOut">
               <a:rPr lang="en-US" dirty="0"/>
-              <a:t>11/9/2022</a:t>
+              <a:t>11/16/2022</a:t>
             </a:fld>
             <a:endParaRPr lang="en-US" dirty="0"/>
           </a:p>
@@ -7550,7 +7556,7 @@
           <a:p>
             <a:fld id="{19C9CA7B-DFD4-44B5-8C60-D14B8CD1FB59}" type="datetimeFigureOut">
               <a:rPr lang="en-US" dirty="0"/>
-              <a:t>11/9/2022</a:t>
+              <a:t>11/16/2022</a:t>
             </a:fld>
             <a:endParaRPr lang="en-US" dirty="0"/>
           </a:p>
@@ -8580,7 +8586,7 @@
           <a:p>
             <a:fld id="{F34E6425-0181-43F2-84FC-787E803FD2F8}" type="datetimeFigureOut">
               <a:rPr lang="en-US" dirty="0"/>
-              <a:t>11/9/2022</a:t>
+              <a:t>11/16/2022</a:t>
             </a:fld>
             <a:endParaRPr lang="en-US" dirty="0"/>
           </a:p>
@@ -8848,7 +8854,7 @@
           <a:p>
             <a:fld id="{3BDB8791-F1B0-41E7-B7FD-A781E65C4266}" type="datetimeFigureOut">
               <a:rPr lang="en-US" dirty="0"/>
-              <a:t>11/9/2022</a:t>
+              <a:t>11/16/2022</a:t>
             </a:fld>
             <a:endParaRPr lang="en-US" dirty="0"/>
           </a:p>
@@ -9254,7 +9260,7 @@
           <a:p>
             <a:fld id="{5FDD63B2-E120-4ED8-B27B-C685F510A5FE}" type="datetimeFigureOut">
               <a:rPr lang="en-US" dirty="0"/>
-              <a:t>11/9/2022</a:t>
+              <a:t>11/16/2022</a:t>
             </a:fld>
             <a:endParaRPr lang="en-US" dirty="0"/>
           </a:p>
@@ -9377,7 +9383,7 @@
           <a:p>
             <a:fld id="{7AA18ACC-A947-437B-A130-35BD54FDF1E9}" type="datetimeFigureOut">
               <a:rPr lang="en-US" dirty="0"/>
-              <a:t>11/9/2022</a:t>
+              <a:t>11/16/2022</a:t>
             </a:fld>
             <a:endParaRPr lang="en-US" dirty="0"/>
           </a:p>
@@ -9468,7 +9474,7 @@
           <a:p>
             <a:fld id="{7C8D7E02-BCB8-4D50-A234-369438C08659}" type="datetimeFigureOut">
               <a:rPr lang="en-US" dirty="0"/>
-              <a:t>11/9/2022</a:t>
+              <a:t>11/16/2022</a:t>
             </a:fld>
             <a:endParaRPr lang="en-US" dirty="0"/>
           </a:p>
@@ -10545,7 +10551,7 @@
           <a:p>
             <a:fld id="{76E86A4C-8E40-4F87-A4F0-01A0687C5742}" type="datetimeFigureOut">
               <a:rPr lang="en-US" dirty="0"/>
-              <a:t>11/9/2022</a:t>
+              <a:t>11/16/2022</a:t>
             </a:fld>
             <a:endParaRPr lang="en-US" dirty="0"/>
           </a:p>
@@ -11649,7 +11655,7 @@
           <a:p>
             <a:fld id="{35E72C73-2D91-4E12-BA25-F0AA0C03599B}" type="datetimeFigureOut">
               <a:rPr lang="en-US" dirty="0"/>
-              <a:t>11/9/2022</a:t>
+              <a:t>11/16/2022</a:t>
             </a:fld>
             <a:endParaRPr lang="en-US" dirty="0"/>
           </a:p>
@@ -12642,7 +12648,7 @@
           <a:p>
             <a:fld id="{2BE451C3-0FF4-47C4-B829-773ADF60F88C}" type="datetimeFigureOut">
               <a:rPr lang="en-US" dirty="0"/>
-              <a:t>11/9/2022</a:t>
+              <a:t>11/16/2022</a:t>
             </a:fld>
             <a:endParaRPr lang="en-US" dirty="0"/>
           </a:p>
@@ -13649,6 +13655,138 @@
 </p:sld>
 </file>
 
+<file path=ppt/slides/slide5.xml><?xml version="1.0" encoding="utf-8"?>
+<p:sld xmlns:a="http://schemas.openxmlformats.org/drawingml/2006/main" xmlns:r="http://schemas.openxmlformats.org/officeDocument/2006/relationships" xmlns:p="http://schemas.openxmlformats.org/presentationml/2006/main">
+  <p:cSld>
+    <p:spTree>
+      <p:nvGrpSpPr>
+        <p:cNvPr id="1" name=""/>
+        <p:cNvGrpSpPr/>
+        <p:nvPr/>
+      </p:nvGrpSpPr>
+      <p:grpSpPr>
+        <a:xfrm>
+          <a:off x="0" y="0"/>
+          <a:ext cx="0" cy="0"/>
+          <a:chOff x="0" y="0"/>
+          <a:chExt cx="0" cy="0"/>
+        </a:xfrm>
+      </p:grpSpPr>
+      <p:sp>
+        <p:nvSpPr>
+          <p:cNvPr id="2" name="Title 1">
+            <a:extLst>
+              <a:ext uri="{FF2B5EF4-FFF2-40B4-BE49-F238E27FC236}">
+                <a16:creationId xmlns:a16="http://schemas.microsoft.com/office/drawing/2014/main" id="{CFBA3105-035A-323C-909A-696F870BE68D}"/>
+              </a:ext>
+            </a:extLst>
+          </p:cNvPr>
+          <p:cNvSpPr>
+            <a:spLocks noGrp="1"/>
+          </p:cNvSpPr>
+          <p:nvPr>
+            <p:ph type="title"/>
+          </p:nvPr>
+        </p:nvSpPr>
+        <p:spPr/>
+        <p:txBody>
+          <a:bodyPr/>
+          <a:lstStyle/>
+          <a:p>
+            <a:r>
+              <a:rPr lang="en-GB" dirty="0"/>
+              <a:t>Unity Implementation </a:t>
+            </a:r>
+            <a:endParaRPr lang="en-US" dirty="0"/>
+          </a:p>
+        </p:txBody>
+      </p:sp>
+      <p:sp>
+        <p:nvSpPr>
+          <p:cNvPr id="12" name="Picture Placeholder 11">
+            <a:extLst>
+              <a:ext uri="{FF2B5EF4-FFF2-40B4-BE49-F238E27FC236}">
+                <a16:creationId xmlns:a16="http://schemas.microsoft.com/office/drawing/2014/main" id="{77AF4B9C-7813-AA30-F48F-C80CE4C3E5CF}"/>
+              </a:ext>
+            </a:extLst>
+          </p:cNvPr>
+          <p:cNvSpPr>
+            <a:spLocks noGrp="1"/>
+          </p:cNvSpPr>
+          <p:nvPr>
+            <p:ph type="pic" idx="1"/>
+          </p:nvPr>
+        </p:nvSpPr>
+        <p:spPr/>
+      </p:sp>
+      <p:sp>
+        <p:nvSpPr>
+          <p:cNvPr id="13" name="Text Placeholder 12">
+            <a:extLst>
+              <a:ext uri="{FF2B5EF4-FFF2-40B4-BE49-F238E27FC236}">
+                <a16:creationId xmlns:a16="http://schemas.microsoft.com/office/drawing/2014/main" id="{B34FFD3D-33FB-5243-6638-9FD36486F315}"/>
+              </a:ext>
+            </a:extLst>
+          </p:cNvPr>
+          <p:cNvSpPr>
+            <a:spLocks noGrp="1"/>
+          </p:cNvSpPr>
+          <p:nvPr>
+            <p:ph type="body" sz="half" idx="2"/>
+          </p:nvPr>
+        </p:nvSpPr>
+        <p:spPr/>
+        <p:txBody>
+          <a:bodyPr/>
+          <a:lstStyle/>
+          <a:p>
+            <a:endParaRPr lang="en-GB"/>
+          </a:p>
+        </p:txBody>
+      </p:sp>
+      <p:pic>
+        <p:nvPicPr>
+          <p:cNvPr id="7" name="Picture 6">
+            <a:extLst>
+              <a:ext uri="{FF2B5EF4-FFF2-40B4-BE49-F238E27FC236}">
+                <a16:creationId xmlns:a16="http://schemas.microsoft.com/office/drawing/2014/main" id="{CF60AA19-E9C1-E275-CCC9-3D18D35FAB4D}"/>
+              </a:ext>
+            </a:extLst>
+          </p:cNvPr>
+          <p:cNvPicPr>
+            <a:picLocks noChangeAspect="1"/>
+          </p:cNvPicPr>
+          <p:nvPr/>
+        </p:nvPicPr>
+        <p:blipFill>
+          <a:blip r:embed="rId2"/>
+          <a:stretch>
+            <a:fillRect/>
+          </a:stretch>
+        </p:blipFill>
+        <p:spPr>
+          <a:xfrm>
+            <a:off x="6155211" y="224162"/>
+            <a:ext cx="4021600" cy="6409676"/>
+          </a:xfrm>
+          <a:prstGeom prst="rect">
+            <a:avLst/>
+          </a:prstGeom>
+        </p:spPr>
+      </p:pic>
+    </p:spTree>
+    <p:extLst>
+      <p:ext uri="{BB962C8B-B14F-4D97-AF65-F5344CB8AC3E}">
+        <p14:creationId xmlns:p14="http://schemas.microsoft.com/office/powerpoint/2010/main" val="2149171606"/>
+      </p:ext>
+    </p:extLst>
+  </p:cSld>
+  <p:clrMapOvr>
+    <a:masterClrMapping/>
+  </p:clrMapOvr>
+</p:sld>
+</file>
+
 <file path=ppt/theme/theme1.xml><?xml version="1.0" encoding="utf-8"?>
 <a:theme xmlns:a="http://schemas.openxmlformats.org/drawingml/2006/main" name="TF10001029">
   <a:themeElements>

--- a/Powerpoint Presentation/fish.pptx
+++ b/Powerpoint Presentation/fish.pptx
@@ -9,6 +9,7 @@
     <p:sldId id="257" r:id="rId3"/>
     <p:sldId id="258" r:id="rId4"/>
     <p:sldId id="259" r:id="rId5"/>
+    <p:sldId id="260" r:id="rId6"/>
   </p:sldIdLst>
   <p:sldSz cx="12192000" cy="6858000"/>
   <p:notesSz cx="6858000" cy="9144000"/>
@@ -451,7 +452,7 @@
             <a:fld id="{5923F103-BC34-4FE4-A40E-EDDEECFDA5D0}" type="datetimeFigureOut">
               <a:rPr lang="en-US" dirty="0"/>
               <a:pPr/>
-              <a:t>11/9/2022</a:t>
+              <a:t>11/16/2022</a:t>
             </a:fld>
             <a:endParaRPr lang="en-US" dirty="0"/>
           </a:p>
@@ -1535,7 +1536,7 @@
           <a:p>
             <a:fld id="{923A1CC3-2375-41D4-9E03-427CAF2A4C1A}" type="datetimeFigureOut">
               <a:rPr lang="en-US" dirty="0"/>
-              <a:t>11/9/2022</a:t>
+              <a:t>11/16/2022</a:t>
             </a:fld>
             <a:endParaRPr lang="en-US" dirty="0"/>
           </a:p>
@@ -2518,7 +2519,7 @@
           <a:p>
             <a:fld id="{AFF16868-8199-4C2C-A5B1-63AEE139F88E}" type="datetimeFigureOut">
               <a:rPr lang="en-US" dirty="0"/>
-              <a:t>11/9/2022</a:t>
+              <a:t>11/16/2022</a:t>
             </a:fld>
             <a:endParaRPr lang="en-US" dirty="0"/>
           </a:p>
@@ -3652,7 +3653,7 @@
           <a:p>
             <a:fld id="{AAD9FF7F-6988-44CC-821B-644E70CD2F73}" type="datetimeFigureOut">
               <a:rPr lang="en-US" dirty="0"/>
-              <a:t>11/9/2022</a:t>
+              <a:t>11/16/2022</a:t>
             </a:fld>
             <a:endParaRPr lang="en-US" dirty="0"/>
           </a:p>
@@ -4681,7 +4682,7 @@
           <a:p>
             <a:fld id="{5C12C299-16B2-4475-990D-751901EACC14}" type="datetimeFigureOut">
               <a:rPr lang="en-US" dirty="0"/>
-              <a:t>11/9/2022</a:t>
+              <a:t>11/16/2022</a:t>
             </a:fld>
             <a:endParaRPr lang="en-US" dirty="0"/>
           </a:p>
@@ -5337,7 +5338,7 @@
           <a:p>
             <a:fld id="{9FE86839-B9D8-4651-8783-F325ECE74E65}" type="datetimeFigureOut">
               <a:rPr lang="en-US" dirty="0"/>
-              <a:t>11/9/2022</a:t>
+              <a:t>11/16/2022</a:t>
             </a:fld>
             <a:endParaRPr lang="en-US" dirty="0"/>
           </a:p>
@@ -6194,7 +6195,7 @@
           <a:p>
             <a:fld id="{FD484F64-32F6-45C5-931F-ADC1662401D0}" type="datetimeFigureOut">
               <a:rPr lang="en-US" dirty="0"/>
-              <a:t>11/9/2022</a:t>
+              <a:t>11/16/2022</a:t>
             </a:fld>
             <a:endParaRPr lang="en-US" dirty="0"/>
           </a:p>
@@ -6380,7 +6381,7 @@
           <a:p>
             <a:fld id="{53086D93-FCAC-47E0-A2EE-787E62CA814C}" type="datetimeFigureOut">
               <a:rPr lang="en-US" dirty="0"/>
-              <a:t>11/9/2022</a:t>
+              <a:t>11/16/2022</a:t>
             </a:fld>
             <a:endParaRPr lang="en-US" dirty="0"/>
           </a:p>
@@ -7348,7 +7349,7 @@
           <a:p>
             <a:fld id="{CDA879A6-0FD0-4734-A311-86BFCA472E6E}" type="datetimeFigureOut">
               <a:rPr lang="en-US" dirty="0"/>
-              <a:t>11/9/2022</a:t>
+              <a:t>11/16/2022</a:t>
             </a:fld>
             <a:endParaRPr lang="en-US" dirty="0"/>
           </a:p>
@@ -7555,7 +7556,7 @@
           <a:p>
             <a:fld id="{19C9CA7B-DFD4-44B5-8C60-D14B8CD1FB59}" type="datetimeFigureOut">
               <a:rPr lang="en-US" dirty="0"/>
-              <a:t>11/9/2022</a:t>
+              <a:t>11/16/2022</a:t>
             </a:fld>
             <a:endParaRPr lang="en-US" dirty="0"/>
           </a:p>
@@ -8585,7 +8586,7 @@
           <a:p>
             <a:fld id="{F34E6425-0181-43F2-84FC-787E803FD2F8}" type="datetimeFigureOut">
               <a:rPr lang="en-US" dirty="0"/>
-              <a:t>11/9/2022</a:t>
+              <a:t>11/16/2022</a:t>
             </a:fld>
             <a:endParaRPr lang="en-US" dirty="0"/>
           </a:p>
@@ -8853,7 +8854,7 @@
           <a:p>
             <a:fld id="{3BDB8791-F1B0-41E7-B7FD-A781E65C4266}" type="datetimeFigureOut">
               <a:rPr lang="en-US" dirty="0"/>
-              <a:t>11/9/2022</a:t>
+              <a:t>11/16/2022</a:t>
             </a:fld>
             <a:endParaRPr lang="en-US" dirty="0"/>
           </a:p>
@@ -9259,7 +9260,7 @@
           <a:p>
             <a:fld id="{5FDD63B2-E120-4ED8-B27B-C685F510A5FE}" type="datetimeFigureOut">
               <a:rPr lang="en-US" dirty="0"/>
-              <a:t>11/9/2022</a:t>
+              <a:t>11/16/2022</a:t>
             </a:fld>
             <a:endParaRPr lang="en-US" dirty="0"/>
           </a:p>
@@ -9382,7 +9383,7 @@
           <a:p>
             <a:fld id="{7AA18ACC-A947-437B-A130-35BD54FDF1E9}" type="datetimeFigureOut">
               <a:rPr lang="en-US" dirty="0"/>
-              <a:t>11/9/2022</a:t>
+              <a:t>11/16/2022</a:t>
             </a:fld>
             <a:endParaRPr lang="en-US" dirty="0"/>
           </a:p>
@@ -9473,7 +9474,7 @@
           <a:p>
             <a:fld id="{7C8D7E02-BCB8-4D50-A234-369438C08659}" type="datetimeFigureOut">
               <a:rPr lang="en-US" dirty="0"/>
-              <a:t>11/9/2022</a:t>
+              <a:t>11/16/2022</a:t>
             </a:fld>
             <a:endParaRPr lang="en-US" dirty="0"/>
           </a:p>
@@ -10550,7 +10551,7 @@
           <a:p>
             <a:fld id="{76E86A4C-8E40-4F87-A4F0-01A0687C5742}" type="datetimeFigureOut">
               <a:rPr lang="en-US" dirty="0"/>
-              <a:t>11/9/2022</a:t>
+              <a:t>11/16/2022</a:t>
             </a:fld>
             <a:endParaRPr lang="en-US" dirty="0"/>
           </a:p>
@@ -11654,7 +11655,7 @@
           <a:p>
             <a:fld id="{35E72C73-2D91-4E12-BA25-F0AA0C03599B}" type="datetimeFigureOut">
               <a:rPr lang="en-US" dirty="0"/>
-              <a:t>11/9/2022</a:t>
+              <a:t>11/16/2022</a:t>
             </a:fld>
             <a:endParaRPr lang="en-US" dirty="0"/>
           </a:p>
@@ -12647,7 +12648,7 @@
           <a:p>
             <a:fld id="{2BE451C3-0FF4-47C4-B829-773ADF60F88C}" type="datetimeFigureOut">
               <a:rPr lang="en-US" dirty="0"/>
-              <a:t>11/9/2022</a:t>
+              <a:t>11/16/2022</a:t>
             </a:fld>
             <a:endParaRPr lang="en-US" dirty="0"/>
           </a:p>
@@ -13641,12 +13642,114 @@
           </a:p>
         </p:txBody>
       </p:sp>
+    </p:spTree>
+    <p:extLst>
+      <p:ext uri="{BB962C8B-B14F-4D97-AF65-F5344CB8AC3E}">
+        <p14:creationId xmlns:p14="http://schemas.microsoft.com/office/powerpoint/2010/main" val="3735925088"/>
+      </p:ext>
+    </p:extLst>
+  </p:cSld>
+  <p:clrMapOvr>
+    <a:masterClrMapping/>
+  </p:clrMapOvr>
+</p:sld>
+</file>
+
+<file path=ppt/slides/slide5.xml><?xml version="1.0" encoding="utf-8"?>
+<p:sld xmlns:a="http://schemas.openxmlformats.org/drawingml/2006/main" xmlns:r="http://schemas.openxmlformats.org/officeDocument/2006/relationships" xmlns:p="http://schemas.openxmlformats.org/presentationml/2006/main">
+  <p:cSld>
+    <p:spTree>
+      <p:nvGrpSpPr>
+        <p:cNvPr id="1" name=""/>
+        <p:cNvGrpSpPr/>
+        <p:nvPr/>
+      </p:nvGrpSpPr>
+      <p:grpSpPr>
+        <a:xfrm>
+          <a:off x="0" y="0"/>
+          <a:ext cx="0" cy="0"/>
+          <a:chOff x="0" y="0"/>
+          <a:chExt cx="0" cy="0"/>
+        </a:xfrm>
+      </p:grpSpPr>
+      <p:sp>
+        <p:nvSpPr>
+          <p:cNvPr id="2" name="Title 1">
+            <a:extLst>
+              <a:ext uri="{FF2B5EF4-FFF2-40B4-BE49-F238E27FC236}">
+                <a16:creationId xmlns:a16="http://schemas.microsoft.com/office/drawing/2014/main" id="{CFBA3105-035A-323C-909A-696F870BE68D}"/>
+              </a:ext>
+            </a:extLst>
+          </p:cNvPr>
+          <p:cNvSpPr>
+            <a:spLocks noGrp="1"/>
+          </p:cNvSpPr>
+          <p:nvPr>
+            <p:ph type="title"/>
+          </p:nvPr>
+        </p:nvSpPr>
+        <p:spPr/>
+        <p:txBody>
+          <a:bodyPr/>
+          <a:lstStyle/>
+          <a:p>
+            <a:r>
+              <a:rPr lang="en-GB" dirty="0"/>
+              <a:t>Unity Implementation </a:t>
+            </a:r>
+            <a:endParaRPr lang="en-US" dirty="0"/>
+          </a:p>
+        </p:txBody>
+      </p:sp>
+      <p:sp>
+        <p:nvSpPr>
+          <p:cNvPr id="12" name="Picture Placeholder 11">
+            <a:extLst>
+              <a:ext uri="{FF2B5EF4-FFF2-40B4-BE49-F238E27FC236}">
+                <a16:creationId xmlns:a16="http://schemas.microsoft.com/office/drawing/2014/main" id="{77AF4B9C-7813-AA30-F48F-C80CE4C3E5CF}"/>
+              </a:ext>
+            </a:extLst>
+          </p:cNvPr>
+          <p:cNvSpPr>
+            <a:spLocks noGrp="1"/>
+          </p:cNvSpPr>
+          <p:nvPr>
+            <p:ph type="pic" idx="1"/>
+          </p:nvPr>
+        </p:nvSpPr>
+        <p:spPr/>
+      </p:sp>
+      <p:sp>
+        <p:nvSpPr>
+          <p:cNvPr id="13" name="Text Placeholder 12">
+            <a:extLst>
+              <a:ext uri="{FF2B5EF4-FFF2-40B4-BE49-F238E27FC236}">
+                <a16:creationId xmlns:a16="http://schemas.microsoft.com/office/drawing/2014/main" id="{B34FFD3D-33FB-5243-6638-9FD36486F315}"/>
+              </a:ext>
+            </a:extLst>
+          </p:cNvPr>
+          <p:cNvSpPr>
+            <a:spLocks noGrp="1"/>
+          </p:cNvSpPr>
+          <p:nvPr>
+            <p:ph type="body" sz="half" idx="2"/>
+          </p:nvPr>
+        </p:nvSpPr>
+        <p:spPr/>
+        <p:txBody>
+          <a:bodyPr/>
+          <a:lstStyle/>
+          <a:p>
+            <a:endParaRPr lang="en-GB"/>
+          </a:p>
+        </p:txBody>
+      </p:sp>
       <p:pic>
         <p:nvPicPr>
-          <p:cNvPr id="4" name="Picture 3">
+          <p:cNvPr id="7" name="Picture 6">
             <a:extLst>
               <a:ext uri="{FF2B5EF4-FFF2-40B4-BE49-F238E27FC236}">
-                <a16:creationId xmlns:a16="http://schemas.microsoft.com/office/drawing/2014/main" id="{83498427-DBB2-7A49-51E2-DC137DDD4F26}"/>
+                <a16:creationId xmlns:a16="http://schemas.microsoft.com/office/drawing/2014/main" id="{CF60AA19-E9C1-E275-CCC9-3D18D35FAB4D}"/>
               </a:ext>
             </a:extLst>
           </p:cNvPr>
@@ -13655,60 +13758,26 @@
           </p:cNvPicPr>
           <p:nvPr/>
         </p:nvPicPr>
-        <p:blipFill rotWithShape="1">
-          <a:blip r:embed="rId3"/>
-          <a:srcRect r="12463" b="16985"/>
-          <a:stretch/>
+        <p:blipFill>
+          <a:blip r:embed="rId2"/>
+          <a:stretch>
+            <a:fillRect/>
+          </a:stretch>
         </p:blipFill>
         <p:spPr>
           <a:xfrm>
-            <a:off x="5558762" y="2520437"/>
-            <a:ext cx="6467577" cy="3623805"/>
+            <a:off x="6155211" y="224162"/>
+            <a:ext cx="4021600" cy="6409676"/>
           </a:xfrm>
           <a:prstGeom prst="rect">
             <a:avLst/>
           </a:prstGeom>
         </p:spPr>
       </p:pic>
-      <p:sp>
-        <p:nvSpPr>
-          <p:cNvPr id="6" name="TextBox 5">
-            <a:extLst>
-              <a:ext uri="{FF2B5EF4-FFF2-40B4-BE49-F238E27FC236}">
-                <a16:creationId xmlns:a16="http://schemas.microsoft.com/office/drawing/2014/main" id="{011791EC-227D-56C0-18FC-7738F9981CE6}"/>
-              </a:ext>
-            </a:extLst>
-          </p:cNvPr>
-          <p:cNvSpPr txBox="1"/>
-          <p:nvPr/>
-        </p:nvSpPr>
-        <p:spPr>
-          <a:xfrm>
-            <a:off x="7743540" y="1572242"/>
-            <a:ext cx="2098019" cy="369332"/>
-          </a:xfrm>
-          <a:prstGeom prst="rect">
-            <a:avLst/>
-          </a:prstGeom>
-          <a:noFill/>
-        </p:spPr>
-        <p:txBody>
-          <a:bodyPr wrap="square" rtlCol="0">
-            <a:spAutoFit/>
-          </a:bodyPr>
-          <a:lstStyle/>
-          <a:p>
-            <a:r>
-              <a:rPr lang="en-GB" u="sng" dirty="0"/>
-              <a:t>Event Pan/Crop. </a:t>
-            </a:r>
-          </a:p>
-        </p:txBody>
-      </p:sp>
     </p:spTree>
     <p:extLst>
       <p:ext uri="{BB962C8B-B14F-4D97-AF65-F5344CB8AC3E}">
-        <p14:creationId xmlns:p14="http://schemas.microsoft.com/office/powerpoint/2010/main" val="3735925088"/>
+        <p14:creationId xmlns:p14="http://schemas.microsoft.com/office/powerpoint/2010/main" val="2149171606"/>
       </p:ext>
     </p:extLst>
   </p:cSld>

--- a/Powerpoint Presentation/fish.pptx
+++ b/Powerpoint Presentation/fish.pptx
@@ -10,6 +10,7 @@
     <p:sldId id="258" r:id="rId4"/>
     <p:sldId id="259" r:id="rId5"/>
     <p:sldId id="260" r:id="rId6"/>
+    <p:sldId id="261" r:id="rId7"/>
   </p:sldIdLst>
   <p:sldSz cx="12192000" cy="6858000"/>
   <p:notesSz cx="6858000" cy="9144000"/>
@@ -452,7 +453,7 @@
             <a:fld id="{5923F103-BC34-4FE4-A40E-EDDEECFDA5D0}" type="datetimeFigureOut">
               <a:rPr lang="en-US" dirty="0"/>
               <a:pPr/>
-              <a:t>11/16/2022</a:t>
+              <a:t>11/22/2022</a:t>
             </a:fld>
             <a:endParaRPr lang="en-US" dirty="0"/>
           </a:p>
@@ -1536,7 +1537,7 @@
           <a:p>
             <a:fld id="{923A1CC3-2375-41D4-9E03-427CAF2A4C1A}" type="datetimeFigureOut">
               <a:rPr lang="en-US" dirty="0"/>
-              <a:t>11/16/2022</a:t>
+              <a:t>11/22/2022</a:t>
             </a:fld>
             <a:endParaRPr lang="en-US" dirty="0"/>
           </a:p>
@@ -2519,7 +2520,7 @@
           <a:p>
             <a:fld id="{AFF16868-8199-4C2C-A5B1-63AEE139F88E}" type="datetimeFigureOut">
               <a:rPr lang="en-US" dirty="0"/>
-              <a:t>11/16/2022</a:t>
+              <a:t>11/22/2022</a:t>
             </a:fld>
             <a:endParaRPr lang="en-US" dirty="0"/>
           </a:p>
@@ -3653,7 +3654,7 @@
           <a:p>
             <a:fld id="{AAD9FF7F-6988-44CC-821B-644E70CD2F73}" type="datetimeFigureOut">
               <a:rPr lang="en-US" dirty="0"/>
-              <a:t>11/16/2022</a:t>
+              <a:t>11/22/2022</a:t>
             </a:fld>
             <a:endParaRPr lang="en-US" dirty="0"/>
           </a:p>
@@ -4682,7 +4683,7 @@
           <a:p>
             <a:fld id="{5C12C299-16B2-4475-990D-751901EACC14}" type="datetimeFigureOut">
               <a:rPr lang="en-US" dirty="0"/>
-              <a:t>11/16/2022</a:t>
+              <a:t>11/22/2022</a:t>
             </a:fld>
             <a:endParaRPr lang="en-US" dirty="0"/>
           </a:p>
@@ -5338,7 +5339,7 @@
           <a:p>
             <a:fld id="{9FE86839-B9D8-4651-8783-F325ECE74E65}" type="datetimeFigureOut">
               <a:rPr lang="en-US" dirty="0"/>
-              <a:t>11/16/2022</a:t>
+              <a:t>11/22/2022</a:t>
             </a:fld>
             <a:endParaRPr lang="en-US" dirty="0"/>
           </a:p>
@@ -6195,7 +6196,7 @@
           <a:p>
             <a:fld id="{FD484F64-32F6-45C5-931F-ADC1662401D0}" type="datetimeFigureOut">
               <a:rPr lang="en-US" dirty="0"/>
-              <a:t>11/16/2022</a:t>
+              <a:t>11/22/2022</a:t>
             </a:fld>
             <a:endParaRPr lang="en-US" dirty="0"/>
           </a:p>
@@ -6381,7 +6382,7 @@
           <a:p>
             <a:fld id="{53086D93-FCAC-47E0-A2EE-787E62CA814C}" type="datetimeFigureOut">
               <a:rPr lang="en-US" dirty="0"/>
-              <a:t>11/16/2022</a:t>
+              <a:t>11/22/2022</a:t>
             </a:fld>
             <a:endParaRPr lang="en-US" dirty="0"/>
           </a:p>
@@ -7349,7 +7350,7 @@
           <a:p>
             <a:fld id="{CDA879A6-0FD0-4734-A311-86BFCA472E6E}" type="datetimeFigureOut">
               <a:rPr lang="en-US" dirty="0"/>
-              <a:t>11/16/2022</a:t>
+              <a:t>11/22/2022</a:t>
             </a:fld>
             <a:endParaRPr lang="en-US" dirty="0"/>
           </a:p>
@@ -7556,7 +7557,7 @@
           <a:p>
             <a:fld id="{19C9CA7B-DFD4-44B5-8C60-D14B8CD1FB59}" type="datetimeFigureOut">
               <a:rPr lang="en-US" dirty="0"/>
-              <a:t>11/16/2022</a:t>
+              <a:t>11/22/2022</a:t>
             </a:fld>
             <a:endParaRPr lang="en-US" dirty="0"/>
           </a:p>
@@ -8586,7 +8587,7 @@
           <a:p>
             <a:fld id="{F34E6425-0181-43F2-84FC-787E803FD2F8}" type="datetimeFigureOut">
               <a:rPr lang="en-US" dirty="0"/>
-              <a:t>11/16/2022</a:t>
+              <a:t>11/22/2022</a:t>
             </a:fld>
             <a:endParaRPr lang="en-US" dirty="0"/>
           </a:p>
@@ -8854,7 +8855,7 @@
           <a:p>
             <a:fld id="{3BDB8791-F1B0-41E7-B7FD-A781E65C4266}" type="datetimeFigureOut">
               <a:rPr lang="en-US" dirty="0"/>
-              <a:t>11/16/2022</a:t>
+              <a:t>11/22/2022</a:t>
             </a:fld>
             <a:endParaRPr lang="en-US" dirty="0"/>
           </a:p>
@@ -9260,7 +9261,7 @@
           <a:p>
             <a:fld id="{5FDD63B2-E120-4ED8-B27B-C685F510A5FE}" type="datetimeFigureOut">
               <a:rPr lang="en-US" dirty="0"/>
-              <a:t>11/16/2022</a:t>
+              <a:t>11/22/2022</a:t>
             </a:fld>
             <a:endParaRPr lang="en-US" dirty="0"/>
           </a:p>
@@ -9383,7 +9384,7 @@
           <a:p>
             <a:fld id="{7AA18ACC-A947-437B-A130-35BD54FDF1E9}" type="datetimeFigureOut">
               <a:rPr lang="en-US" dirty="0"/>
-              <a:t>11/16/2022</a:t>
+              <a:t>11/22/2022</a:t>
             </a:fld>
             <a:endParaRPr lang="en-US" dirty="0"/>
           </a:p>
@@ -9474,7 +9475,7 @@
           <a:p>
             <a:fld id="{7C8D7E02-BCB8-4D50-A234-369438C08659}" type="datetimeFigureOut">
               <a:rPr lang="en-US" dirty="0"/>
-              <a:t>11/16/2022</a:t>
+              <a:t>11/22/2022</a:t>
             </a:fld>
             <a:endParaRPr lang="en-US" dirty="0"/>
           </a:p>
@@ -10551,7 +10552,7 @@
           <a:p>
             <a:fld id="{76E86A4C-8E40-4F87-A4F0-01A0687C5742}" type="datetimeFigureOut">
               <a:rPr lang="en-US" dirty="0"/>
-              <a:t>11/16/2022</a:t>
+              <a:t>11/22/2022</a:t>
             </a:fld>
             <a:endParaRPr lang="en-US" dirty="0"/>
           </a:p>
@@ -11655,7 +11656,7 @@
           <a:p>
             <a:fld id="{35E72C73-2D91-4E12-BA25-F0AA0C03599B}" type="datetimeFigureOut">
               <a:rPr lang="en-US" dirty="0"/>
-              <a:t>11/16/2022</a:t>
+              <a:t>11/22/2022</a:t>
             </a:fld>
             <a:endParaRPr lang="en-US" dirty="0"/>
           </a:p>
@@ -12648,7 +12649,7 @@
           <a:p>
             <a:fld id="{2BE451C3-0FF4-47C4-B829-773ADF60F88C}" type="datetimeFigureOut">
               <a:rPr lang="en-US" dirty="0"/>
-              <a:t>11/16/2022</a:t>
+              <a:t>11/22/2022</a:t>
             </a:fld>
             <a:endParaRPr lang="en-US" dirty="0"/>
           </a:p>
@@ -13740,7 +13741,10 @@
           <a:bodyPr/>
           <a:lstStyle/>
           <a:p>
-            <a:endParaRPr lang="en-GB"/>
+            <a:r>
+              <a:rPr lang="en-GB" dirty="0"/>
+              <a:t>In this script, I program the real fish to chase the player fish around the tank.</a:t>
+            </a:r>
           </a:p>
         </p:txBody>
       </p:sp>
@@ -13778,6 +13782,134 @@
     <p:extLst>
       <p:ext uri="{BB962C8B-B14F-4D97-AF65-F5344CB8AC3E}">
         <p14:creationId xmlns:p14="http://schemas.microsoft.com/office/powerpoint/2010/main" val="2149171606"/>
+      </p:ext>
+    </p:extLst>
+  </p:cSld>
+  <p:clrMapOvr>
+    <a:masterClrMapping/>
+  </p:clrMapOvr>
+</p:sld>
+</file>
+
+<file path=ppt/slides/slide6.xml><?xml version="1.0" encoding="utf-8"?>
+<p:sld xmlns:a="http://schemas.openxmlformats.org/drawingml/2006/main" xmlns:r="http://schemas.openxmlformats.org/officeDocument/2006/relationships" xmlns:p="http://schemas.openxmlformats.org/presentationml/2006/main">
+  <p:cSld>
+    <p:spTree>
+      <p:nvGrpSpPr>
+        <p:cNvPr id="1" name=""/>
+        <p:cNvGrpSpPr/>
+        <p:nvPr/>
+      </p:nvGrpSpPr>
+      <p:grpSpPr>
+        <a:xfrm>
+          <a:off x="0" y="0"/>
+          <a:ext cx="0" cy="0"/>
+          <a:chOff x="0" y="0"/>
+          <a:chExt cx="0" cy="0"/>
+        </a:xfrm>
+      </p:grpSpPr>
+      <p:sp>
+        <p:nvSpPr>
+          <p:cNvPr id="2" name="Title 1">
+            <a:extLst>
+              <a:ext uri="{FF2B5EF4-FFF2-40B4-BE49-F238E27FC236}">
+                <a16:creationId xmlns:a16="http://schemas.microsoft.com/office/drawing/2014/main" id="{7554F13D-3ED6-B039-6D56-0A99CADEE1C6}"/>
+              </a:ext>
+            </a:extLst>
+          </p:cNvPr>
+          <p:cNvSpPr>
+            <a:spLocks noGrp="1"/>
+          </p:cNvSpPr>
+          <p:nvPr>
+            <p:ph type="title"/>
+          </p:nvPr>
+        </p:nvSpPr>
+        <p:spPr>
+          <a:xfrm>
+            <a:off x="1680092" y="-155783"/>
+            <a:ext cx="8831816" cy="1372986"/>
+          </a:xfrm>
+        </p:spPr>
+        <p:txBody>
+          <a:bodyPr/>
+          <a:lstStyle/>
+          <a:p>
+            <a:r>
+              <a:rPr lang="en-GB" dirty="0"/>
+              <a:t>Unity - Prefabs</a:t>
+            </a:r>
+          </a:p>
+        </p:txBody>
+      </p:sp>
+      <p:pic>
+        <p:nvPicPr>
+          <p:cNvPr id="8" name="Picture 7">
+            <a:extLst>
+              <a:ext uri="{FF2B5EF4-FFF2-40B4-BE49-F238E27FC236}">
+                <a16:creationId xmlns:a16="http://schemas.microsoft.com/office/drawing/2014/main" id="{4C4633F8-CC8F-B8D4-BBA6-552BDCDAA149}"/>
+              </a:ext>
+            </a:extLst>
+          </p:cNvPr>
+          <p:cNvPicPr>
+            <a:picLocks noChangeAspect="1"/>
+          </p:cNvPicPr>
+          <p:nvPr/>
+        </p:nvPicPr>
+        <p:blipFill>
+          <a:blip r:embed="rId2"/>
+          <a:stretch>
+            <a:fillRect/>
+          </a:stretch>
+        </p:blipFill>
+        <p:spPr>
+          <a:xfrm>
+            <a:off x="598635" y="1432997"/>
+            <a:ext cx="4731448" cy="5175022"/>
+          </a:xfrm>
+          <a:prstGeom prst="rect">
+            <a:avLst/>
+          </a:prstGeom>
+        </p:spPr>
+      </p:pic>
+      <p:sp>
+        <p:nvSpPr>
+          <p:cNvPr id="9" name="TextBox 8">
+            <a:extLst>
+              <a:ext uri="{FF2B5EF4-FFF2-40B4-BE49-F238E27FC236}">
+                <a16:creationId xmlns:a16="http://schemas.microsoft.com/office/drawing/2014/main" id="{FF14831A-F84A-8E13-F75F-52B5683EE8DA}"/>
+              </a:ext>
+            </a:extLst>
+          </p:cNvPr>
+          <p:cNvSpPr txBox="1"/>
+          <p:nvPr/>
+        </p:nvSpPr>
+        <p:spPr>
+          <a:xfrm>
+            <a:off x="6096000" y="2690336"/>
+            <a:ext cx="2276132" cy="1477328"/>
+          </a:xfrm>
+          <a:prstGeom prst="rect">
+            <a:avLst/>
+          </a:prstGeom>
+          <a:noFill/>
+        </p:spPr>
+        <p:txBody>
+          <a:bodyPr wrap="square" rtlCol="0">
+            <a:spAutoFit/>
+          </a:bodyPr>
+          <a:lstStyle/>
+          <a:p>
+            <a:r>
+              <a:rPr lang="en-GB" dirty="0"/>
+              <a:t>Creation of prefabs to save time creating the same players, enemies, or items.</a:t>
+            </a:r>
+          </a:p>
+        </p:txBody>
+      </p:sp>
+    </p:spTree>
+    <p:extLst>
+      <p:ext uri="{BB962C8B-B14F-4D97-AF65-F5344CB8AC3E}">
+        <p14:creationId xmlns:p14="http://schemas.microsoft.com/office/powerpoint/2010/main" val="3583927297"/>
       </p:ext>
     </p:extLst>
   </p:cSld>
